--- a/Temp/39期ビジネスアイディア_HPC解析_CC_EC.pptx
+++ b/Temp/39期ビジネスアイディア_HPC解析_CC_EC.pptx
@@ -335,7 +335,7 @@
           <a:noFill/>
           <a:extLst>
             <a:ext uri="{909E8E84-426E-40dd-AFC4-6F175D3DCCD1}">
-              <a14:hiddenFill xmlns:a14="http://schemas.microsoft.com/office/drawing/2010/main" xmlns="">
+              <a14:hiddenFill xmlns="" xmlns:a14="http://schemas.microsoft.com/office/drawing/2010/main">
                 <a:solidFill>
                   <a:srgbClr val="FFFFFF"/>
                 </a:solidFill>
@@ -395,7 +395,7 @@
             </a:ln>
             <a:extLst>
               <a:ext uri="{91240B29-F687-4f45-9708-019B960494DF}">
-                <a14:hiddenLine xmlns:a14="http://schemas.microsoft.com/office/drawing/2010/main" xmlns="" w="9525">
+                <a14:hiddenLine xmlns="" xmlns:a14="http://schemas.microsoft.com/office/drawing/2010/main" w="9525">
                   <a:solidFill>
                     <a:srgbClr val="000000"/>
                   </a:solidFill>
@@ -485,7 +485,7 @@
             </a:ln>
             <a:extLst>
               <a:ext uri="{91240B29-F687-4f45-9708-019B960494DF}">
-                <a14:hiddenLine xmlns:a14="http://schemas.microsoft.com/office/drawing/2010/main" xmlns="" w="9525">
+                <a14:hiddenLine xmlns="" xmlns:a14="http://schemas.microsoft.com/office/drawing/2010/main" w="9525">
                   <a:solidFill>
                     <a:srgbClr val="000000"/>
                   </a:solidFill>
@@ -575,7 +575,7 @@
             </a:ln>
             <a:extLst>
               <a:ext uri="{91240B29-F687-4f45-9708-019B960494DF}">
-                <a14:hiddenLine xmlns:a14="http://schemas.microsoft.com/office/drawing/2010/main" xmlns="" w="9525">
+                <a14:hiddenLine xmlns="" xmlns:a14="http://schemas.microsoft.com/office/drawing/2010/main" w="9525">
                   <a:solidFill>
                     <a:srgbClr val="000000"/>
                   </a:solidFill>
@@ -609,7 +609,7 @@
             </a:ln>
             <a:extLst>
               <a:ext uri="{91240B29-F687-4f45-9708-019B960494DF}">
-                <a14:hiddenLine xmlns:a14="http://schemas.microsoft.com/office/drawing/2010/main" xmlns="" w="9525">
+                <a14:hiddenLine xmlns="" xmlns:a14="http://schemas.microsoft.com/office/drawing/2010/main" w="9525">
                   <a:solidFill>
                     <a:srgbClr val="000000"/>
                   </a:solidFill>
@@ -699,7 +699,7 @@
             </a:ln>
             <a:extLst>
               <a:ext uri="{91240B29-F687-4f45-9708-019B960494DF}">
-                <a14:hiddenLine xmlns:a14="http://schemas.microsoft.com/office/drawing/2010/main" xmlns="" w="9525">
+                <a14:hiddenLine xmlns="" xmlns:a14="http://schemas.microsoft.com/office/drawing/2010/main" w="9525">
                   <a:solidFill>
                     <a:srgbClr val="000000"/>
                   </a:solidFill>
@@ -761,7 +761,7 @@
             </a:ln>
             <a:extLst>
               <a:ext uri="{91240B29-F687-4f45-9708-019B960494DF}">
-                <a14:hiddenLine xmlns:a14="http://schemas.microsoft.com/office/drawing/2010/main" xmlns="" w="9525">
+                <a14:hiddenLine xmlns="" xmlns:a14="http://schemas.microsoft.com/office/drawing/2010/main" w="9525">
                   <a:solidFill>
                     <a:srgbClr val="000000"/>
                   </a:solidFill>
@@ -823,7 +823,7 @@
             </a:ln>
             <a:extLst>
               <a:ext uri="{91240B29-F687-4f45-9708-019B960494DF}">
-                <a14:hiddenLine xmlns:a14="http://schemas.microsoft.com/office/drawing/2010/main" xmlns="" w="9525">
+                <a14:hiddenLine xmlns="" xmlns:a14="http://schemas.microsoft.com/office/drawing/2010/main" w="9525">
                   <a:solidFill>
                     <a:srgbClr val="000000"/>
                   </a:solidFill>
@@ -913,7 +913,7 @@
             </a:ln>
             <a:extLst>
               <a:ext uri="{91240B29-F687-4f45-9708-019B960494DF}">
-                <a14:hiddenLine xmlns:a14="http://schemas.microsoft.com/office/drawing/2010/main" xmlns="" w="9525">
+                <a14:hiddenLine xmlns="" xmlns:a14="http://schemas.microsoft.com/office/drawing/2010/main" w="9525">
                   <a:solidFill>
                     <a:srgbClr val="000000"/>
                   </a:solidFill>
@@ -975,7 +975,7 @@
             </a:ln>
             <a:extLst>
               <a:ext uri="{91240B29-F687-4f45-9708-019B960494DF}">
-                <a14:hiddenLine xmlns:a14="http://schemas.microsoft.com/office/drawing/2010/main" xmlns="" w="9525">
+                <a14:hiddenLine xmlns="" xmlns:a14="http://schemas.microsoft.com/office/drawing/2010/main" w="9525">
                   <a:solidFill>
                     <a:srgbClr val="000000"/>
                   </a:solidFill>
@@ -1037,7 +1037,7 @@
             </a:ln>
             <a:extLst>
               <a:ext uri="{91240B29-F687-4f45-9708-019B960494DF}">
-                <a14:hiddenLine xmlns:a14="http://schemas.microsoft.com/office/drawing/2010/main" xmlns="" w="9525">
+                <a14:hiddenLine xmlns="" xmlns:a14="http://schemas.microsoft.com/office/drawing/2010/main" w="9525">
                   <a:solidFill>
                     <a:srgbClr val="000000"/>
                   </a:solidFill>
@@ -1127,7 +1127,7 @@
             </a:ln>
             <a:extLst>
               <a:ext uri="{91240B29-F687-4f45-9708-019B960494DF}">
-                <a14:hiddenLine xmlns:a14="http://schemas.microsoft.com/office/drawing/2010/main" xmlns="" w="9525">
+                <a14:hiddenLine xmlns="" xmlns:a14="http://schemas.microsoft.com/office/drawing/2010/main" w="9525">
                   <a:solidFill>
                     <a:srgbClr val="000000"/>
                   </a:solidFill>
@@ -1217,7 +1217,7 @@
             </a:ln>
             <a:extLst>
               <a:ext uri="{91240B29-F687-4f45-9708-019B960494DF}">
-                <a14:hiddenLine xmlns:a14="http://schemas.microsoft.com/office/drawing/2010/main" xmlns="" w="9525">
+                <a14:hiddenLine xmlns="" xmlns:a14="http://schemas.microsoft.com/office/drawing/2010/main" w="9525">
                   <a:solidFill>
                     <a:srgbClr val="000000"/>
                   </a:solidFill>
@@ -1279,7 +1279,7 @@
             </a:ln>
             <a:extLst>
               <a:ext uri="{91240B29-F687-4f45-9708-019B960494DF}">
-                <a14:hiddenLine xmlns:a14="http://schemas.microsoft.com/office/drawing/2010/main" xmlns="" w="9525">
+                <a14:hiddenLine xmlns="" xmlns:a14="http://schemas.microsoft.com/office/drawing/2010/main" w="9525">
                   <a:solidFill>
                     <a:srgbClr val="000000"/>
                   </a:solidFill>
@@ -1389,7 +1389,7 @@
             </a:ln>
             <a:extLst>
               <a:ext uri="{91240B29-F687-4f45-9708-019B960494DF}">
-                <a14:hiddenLine xmlns:a14="http://schemas.microsoft.com/office/drawing/2010/main" xmlns="" w="9525">
+                <a14:hiddenLine xmlns="" xmlns:a14="http://schemas.microsoft.com/office/drawing/2010/main" w="9525">
                   <a:solidFill>
                     <a:srgbClr val="000000"/>
                   </a:solidFill>
@@ -1451,7 +1451,7 @@
             </a:ln>
             <a:extLst>
               <a:ext uri="{91240B29-F687-4f45-9708-019B960494DF}">
-                <a14:hiddenLine xmlns:a14="http://schemas.microsoft.com/office/drawing/2010/main" xmlns="" w="9525">
+                <a14:hiddenLine xmlns="" xmlns:a14="http://schemas.microsoft.com/office/drawing/2010/main" w="9525">
                   <a:solidFill>
                     <a:srgbClr val="000000"/>
                   </a:solidFill>
@@ -1541,7 +1541,7 @@
             </a:ln>
             <a:extLst>
               <a:ext uri="{91240B29-F687-4f45-9708-019B960494DF}">
-                <a14:hiddenLine xmlns:a14="http://schemas.microsoft.com/office/drawing/2010/main" xmlns="" w="9525">
+                <a14:hiddenLine xmlns="" xmlns:a14="http://schemas.microsoft.com/office/drawing/2010/main" w="9525">
                   <a:solidFill>
                     <a:srgbClr val="000000"/>
                   </a:solidFill>
@@ -1631,7 +1631,7 @@
             </a:ln>
             <a:extLst>
               <a:ext uri="{91240B29-F687-4f45-9708-019B960494DF}">
-                <a14:hiddenLine xmlns:a14="http://schemas.microsoft.com/office/drawing/2010/main" xmlns="" w="9525">
+                <a14:hiddenLine xmlns="" xmlns:a14="http://schemas.microsoft.com/office/drawing/2010/main" w="9525">
                   <a:solidFill>
                     <a:srgbClr val="000000"/>
                   </a:solidFill>
@@ -1693,7 +1693,7 @@
             </a:ln>
             <a:extLst>
               <a:ext uri="{91240B29-F687-4f45-9708-019B960494DF}">
-                <a14:hiddenLine xmlns:a14="http://schemas.microsoft.com/office/drawing/2010/main" xmlns="" w="9525">
+                <a14:hiddenLine xmlns="" xmlns:a14="http://schemas.microsoft.com/office/drawing/2010/main" w="9525">
                   <a:solidFill>
                     <a:srgbClr val="000000"/>
                   </a:solidFill>
@@ -1783,7 +1783,7 @@
             </a:ln>
             <a:extLst>
               <a:ext uri="{91240B29-F687-4f45-9708-019B960494DF}">
-                <a14:hiddenLine xmlns:a14="http://schemas.microsoft.com/office/drawing/2010/main" xmlns="" w="9525">
+                <a14:hiddenLine xmlns="" xmlns:a14="http://schemas.microsoft.com/office/drawing/2010/main" w="9525">
                   <a:solidFill>
                     <a:srgbClr val="000000"/>
                   </a:solidFill>
@@ -1873,7 +1873,7 @@
             </a:ln>
             <a:extLst>
               <a:ext uri="{91240B29-F687-4f45-9708-019B960494DF}">
-                <a14:hiddenLine xmlns:a14="http://schemas.microsoft.com/office/drawing/2010/main" xmlns="" w="9525">
+                <a14:hiddenLine xmlns="" xmlns:a14="http://schemas.microsoft.com/office/drawing/2010/main" w="9525">
                   <a:solidFill>
                     <a:srgbClr val="000000"/>
                   </a:solidFill>
@@ -1929,7 +1929,7 @@
             </a:ln>
             <a:extLst>
               <a:ext uri="{91240B29-F687-4f45-9708-019B960494DF}">
-                <a14:hiddenLine xmlns:a14="http://schemas.microsoft.com/office/drawing/2010/main" xmlns="" w="9525">
+                <a14:hiddenLine xmlns="" xmlns:a14="http://schemas.microsoft.com/office/drawing/2010/main" w="9525">
                   <a:solidFill>
                     <a:srgbClr val="000000"/>
                   </a:solidFill>
@@ -2019,7 +2019,7 @@
             </a:ln>
             <a:extLst>
               <a:ext uri="{91240B29-F687-4f45-9708-019B960494DF}">
-                <a14:hiddenLine xmlns:a14="http://schemas.microsoft.com/office/drawing/2010/main" xmlns="" w="9525">
+                <a14:hiddenLine xmlns="" xmlns:a14="http://schemas.microsoft.com/office/drawing/2010/main" w="9525">
                   <a:solidFill>
                     <a:srgbClr val="000000"/>
                   </a:solidFill>
@@ -2075,7 +2075,7 @@
             </a:ln>
             <a:extLst>
               <a:ext uri="{91240B29-F687-4f45-9708-019B960494DF}">
-                <a14:hiddenLine xmlns:a14="http://schemas.microsoft.com/office/drawing/2010/main" xmlns="" w="9525">
+                <a14:hiddenLine xmlns="" xmlns:a14="http://schemas.microsoft.com/office/drawing/2010/main" w="9525">
                   <a:solidFill>
                     <a:srgbClr val="000000"/>
                   </a:solidFill>
@@ -2165,7 +2165,7 @@
             </a:ln>
             <a:extLst>
               <a:ext uri="{91240B29-F687-4f45-9708-019B960494DF}">
-                <a14:hiddenLine xmlns:a14="http://schemas.microsoft.com/office/drawing/2010/main" xmlns="" w="9525">
+                <a14:hiddenLine xmlns="" xmlns:a14="http://schemas.microsoft.com/office/drawing/2010/main" w="9525">
                   <a:solidFill>
                     <a:srgbClr val="000000"/>
                   </a:solidFill>
@@ -2233,7 +2233,7 @@
             </a:ln>
             <a:extLst>
               <a:ext uri="{91240B29-F687-4f45-9708-019B960494DF}">
-                <a14:hiddenLine xmlns:a14="http://schemas.microsoft.com/office/drawing/2010/main" xmlns="" w="9525">
+                <a14:hiddenLine xmlns="" xmlns:a14="http://schemas.microsoft.com/office/drawing/2010/main" w="9525">
                   <a:solidFill>
                     <a:srgbClr val="000000"/>
                   </a:solidFill>
@@ -2323,7 +2323,7 @@
             </a:ln>
             <a:extLst>
               <a:ext uri="{91240B29-F687-4f45-9708-019B960494DF}">
-                <a14:hiddenLine xmlns:a14="http://schemas.microsoft.com/office/drawing/2010/main" xmlns="" w="9525">
+                <a14:hiddenLine xmlns="" xmlns:a14="http://schemas.microsoft.com/office/drawing/2010/main" w="9525">
                   <a:solidFill>
                     <a:srgbClr val="000000"/>
                   </a:solidFill>
@@ -2391,7 +2391,7 @@
             </a:ln>
             <a:extLst>
               <a:ext uri="{91240B29-F687-4f45-9708-019B960494DF}">
-                <a14:hiddenLine xmlns:a14="http://schemas.microsoft.com/office/drawing/2010/main" xmlns="" w="9525">
+                <a14:hiddenLine xmlns="" xmlns:a14="http://schemas.microsoft.com/office/drawing/2010/main" w="9525">
                   <a:solidFill>
                     <a:srgbClr val="000000"/>
                   </a:solidFill>
@@ -2481,7 +2481,7 @@
             </a:ln>
             <a:extLst>
               <a:ext uri="{91240B29-F687-4f45-9708-019B960494DF}">
-                <a14:hiddenLine xmlns:a14="http://schemas.microsoft.com/office/drawing/2010/main" xmlns="" w="9525">
+                <a14:hiddenLine xmlns="" xmlns:a14="http://schemas.microsoft.com/office/drawing/2010/main" w="9525">
                   <a:solidFill>
                     <a:srgbClr val="000000"/>
                   </a:solidFill>
@@ -2515,7 +2515,7 @@
             </a:ln>
             <a:extLst>
               <a:ext uri="{91240B29-F687-4f45-9708-019B960494DF}">
-                <a14:hiddenLine xmlns:a14="http://schemas.microsoft.com/office/drawing/2010/main" xmlns="" w="9525">
+                <a14:hiddenLine xmlns="" xmlns:a14="http://schemas.microsoft.com/office/drawing/2010/main" w="9525">
                   <a:solidFill>
                     <a:srgbClr val="000000"/>
                   </a:solidFill>
@@ -2605,7 +2605,7 @@
             </a:ln>
             <a:extLst>
               <a:ext uri="{91240B29-F687-4f45-9708-019B960494DF}">
-                <a14:hiddenLine xmlns:a14="http://schemas.microsoft.com/office/drawing/2010/main" xmlns="" w="9525">
+                <a14:hiddenLine xmlns="" xmlns:a14="http://schemas.microsoft.com/office/drawing/2010/main" w="9525">
                   <a:solidFill>
                     <a:srgbClr val="000000"/>
                   </a:solidFill>
@@ -2667,7 +2667,7 @@
             </a:ln>
             <a:extLst>
               <a:ext uri="{91240B29-F687-4f45-9708-019B960494DF}">
-                <a14:hiddenLine xmlns:a14="http://schemas.microsoft.com/office/drawing/2010/main" xmlns="" w="9525">
+                <a14:hiddenLine xmlns="" xmlns:a14="http://schemas.microsoft.com/office/drawing/2010/main" w="9525">
                   <a:solidFill>
                     <a:srgbClr val="000000"/>
                   </a:solidFill>
@@ -2729,7 +2729,7 @@
             </a:ln>
             <a:extLst>
               <a:ext uri="{91240B29-F687-4f45-9708-019B960494DF}">
-                <a14:hiddenLine xmlns:a14="http://schemas.microsoft.com/office/drawing/2010/main" xmlns="" w="9525">
+                <a14:hiddenLine xmlns="" xmlns:a14="http://schemas.microsoft.com/office/drawing/2010/main" w="9525">
                   <a:solidFill>
                     <a:srgbClr val="000000"/>
                   </a:solidFill>
@@ -2819,7 +2819,7 @@
             </a:ln>
             <a:extLst>
               <a:ext uri="{91240B29-F687-4f45-9708-019B960494DF}">
-                <a14:hiddenLine xmlns:a14="http://schemas.microsoft.com/office/drawing/2010/main" xmlns="" w="9525">
+                <a14:hiddenLine xmlns="" xmlns:a14="http://schemas.microsoft.com/office/drawing/2010/main" w="9525">
                   <a:solidFill>
                     <a:srgbClr val="000000"/>
                   </a:solidFill>
@@ -2887,7 +2887,7 @@
             </a:ln>
             <a:extLst>
               <a:ext uri="{91240B29-F687-4f45-9708-019B960494DF}">
-                <a14:hiddenLine xmlns:a14="http://schemas.microsoft.com/office/drawing/2010/main" xmlns="" w="9525">
+                <a14:hiddenLine xmlns="" xmlns:a14="http://schemas.microsoft.com/office/drawing/2010/main" w="9525">
                   <a:solidFill>
                     <a:srgbClr val="000000"/>
                   </a:solidFill>
@@ -2949,7 +2949,7 @@
             </a:ln>
             <a:extLst>
               <a:ext uri="{91240B29-F687-4f45-9708-019B960494DF}">
-                <a14:hiddenLine xmlns:a14="http://schemas.microsoft.com/office/drawing/2010/main" xmlns="" w="9525">
+                <a14:hiddenLine xmlns="" xmlns:a14="http://schemas.microsoft.com/office/drawing/2010/main" w="9525">
                   <a:solidFill>
                     <a:srgbClr val="000000"/>
                   </a:solidFill>
@@ -3039,7 +3039,7 @@
             </a:ln>
             <a:extLst>
               <a:ext uri="{91240B29-F687-4f45-9708-019B960494DF}">
-                <a14:hiddenLine xmlns:a14="http://schemas.microsoft.com/office/drawing/2010/main" xmlns="" w="9525">
+                <a14:hiddenLine xmlns="" xmlns:a14="http://schemas.microsoft.com/office/drawing/2010/main" w="9525">
                   <a:solidFill>
                     <a:srgbClr val="000000"/>
                   </a:solidFill>
@@ -3101,7 +3101,7 @@
             </a:ln>
             <a:extLst>
               <a:ext uri="{91240B29-F687-4f45-9708-019B960494DF}">
-                <a14:hiddenLine xmlns:a14="http://schemas.microsoft.com/office/drawing/2010/main" xmlns="" w="9525">
+                <a14:hiddenLine xmlns="" xmlns:a14="http://schemas.microsoft.com/office/drawing/2010/main" w="9525">
                   <a:solidFill>
                     <a:srgbClr val="000000"/>
                   </a:solidFill>
@@ -3191,7 +3191,7 @@
             </a:ln>
             <a:extLst>
               <a:ext uri="{91240B29-F687-4f45-9708-019B960494DF}">
-                <a14:hiddenLine xmlns:a14="http://schemas.microsoft.com/office/drawing/2010/main" xmlns="" w="9525">
+                <a14:hiddenLine xmlns="" xmlns:a14="http://schemas.microsoft.com/office/drawing/2010/main" w="9525">
                   <a:solidFill>
                     <a:srgbClr val="000000"/>
                   </a:solidFill>
@@ -3253,7 +3253,7 @@
             </a:ln>
             <a:extLst>
               <a:ext uri="{91240B29-F687-4f45-9708-019B960494DF}">
-                <a14:hiddenLine xmlns:a14="http://schemas.microsoft.com/office/drawing/2010/main" xmlns="" w="9525">
+                <a14:hiddenLine xmlns="" xmlns:a14="http://schemas.microsoft.com/office/drawing/2010/main" w="9525">
                   <a:solidFill>
                     <a:srgbClr val="000000"/>
                   </a:solidFill>
@@ -3343,7 +3343,7 @@
             </a:ln>
             <a:extLst>
               <a:ext uri="{91240B29-F687-4f45-9708-019B960494DF}">
-                <a14:hiddenLine xmlns:a14="http://schemas.microsoft.com/office/drawing/2010/main" xmlns="" w="9525">
+                <a14:hiddenLine xmlns="" xmlns:a14="http://schemas.microsoft.com/office/drawing/2010/main" w="9525">
                   <a:solidFill>
                     <a:srgbClr val="000000"/>
                   </a:solidFill>
@@ -3377,7 +3377,7 @@
             </a:ln>
             <a:extLst>
               <a:ext uri="{91240B29-F687-4f45-9708-019B960494DF}">
-                <a14:hiddenLine xmlns:a14="http://schemas.microsoft.com/office/drawing/2010/main" xmlns="" w="9525">
+                <a14:hiddenLine xmlns="" xmlns:a14="http://schemas.microsoft.com/office/drawing/2010/main" w="9525">
                   <a:solidFill>
                     <a:srgbClr val="000000"/>
                   </a:solidFill>
@@ -3442,7 +3442,7 @@
             </a:ln>
             <a:extLst>
               <a:ext uri="{91240B29-F687-4f45-9708-019B960494DF}">
-                <a14:hiddenLine xmlns:a14="http://schemas.microsoft.com/office/drawing/2010/main" xmlns="" w="9525">
+                <a14:hiddenLine xmlns="" xmlns:a14="http://schemas.microsoft.com/office/drawing/2010/main" w="9525">
                   <a:solidFill>
                     <a:srgbClr val="000000"/>
                   </a:solidFill>
@@ -3532,7 +3532,7 @@
             </a:ln>
             <a:extLst>
               <a:ext uri="{91240B29-F687-4f45-9708-019B960494DF}">
-                <a14:hiddenLine xmlns:a14="http://schemas.microsoft.com/office/drawing/2010/main" xmlns="" w="9525">
+                <a14:hiddenLine xmlns="" xmlns:a14="http://schemas.microsoft.com/office/drawing/2010/main" w="9525">
                   <a:solidFill>
                     <a:srgbClr val="000000"/>
                   </a:solidFill>
@@ -3594,7 +3594,7 @@
             </a:ln>
             <a:extLst>
               <a:ext uri="{91240B29-F687-4f45-9708-019B960494DF}">
-                <a14:hiddenLine xmlns:a14="http://schemas.microsoft.com/office/drawing/2010/main" xmlns="" w="9525">
+                <a14:hiddenLine xmlns="" xmlns:a14="http://schemas.microsoft.com/office/drawing/2010/main" w="9525">
                   <a:solidFill>
                     <a:srgbClr val="000000"/>
                   </a:solidFill>
@@ -3684,7 +3684,7 @@
             </a:ln>
             <a:extLst>
               <a:ext uri="{91240B29-F687-4f45-9708-019B960494DF}">
-                <a14:hiddenLine xmlns:a14="http://schemas.microsoft.com/office/drawing/2010/main" xmlns="" w="9525">
+                <a14:hiddenLine xmlns="" xmlns:a14="http://schemas.microsoft.com/office/drawing/2010/main" w="9525">
                   <a:solidFill>
                     <a:srgbClr val="000000"/>
                   </a:solidFill>
@@ -3774,7 +3774,7 @@
             </a:ln>
             <a:extLst>
               <a:ext uri="{91240B29-F687-4f45-9708-019B960494DF}">
-                <a14:hiddenLine xmlns:a14="http://schemas.microsoft.com/office/drawing/2010/main" xmlns="" w="9525">
+                <a14:hiddenLine xmlns="" xmlns:a14="http://schemas.microsoft.com/office/drawing/2010/main" w="9525">
                   <a:solidFill>
                     <a:srgbClr val="000000"/>
                   </a:solidFill>
@@ -3839,7 +3839,7 @@
             </a:ln>
             <a:extLst>
               <a:ext uri="{91240B29-F687-4f45-9708-019B960494DF}">
-                <a14:hiddenLine xmlns:a14="http://schemas.microsoft.com/office/drawing/2010/main" xmlns="" w="9525">
+                <a14:hiddenLine xmlns="" xmlns:a14="http://schemas.microsoft.com/office/drawing/2010/main" w="9525">
                   <a:solidFill>
                     <a:srgbClr val="000000"/>
                   </a:solidFill>
@@ -3901,7 +3901,7 @@
             </a:ln>
             <a:extLst>
               <a:ext uri="{91240B29-F687-4f45-9708-019B960494DF}">
-                <a14:hiddenLine xmlns:a14="http://schemas.microsoft.com/office/drawing/2010/main" xmlns="" w="9525">
+                <a14:hiddenLine xmlns="" xmlns:a14="http://schemas.microsoft.com/office/drawing/2010/main" w="9525">
                   <a:solidFill>
                     <a:srgbClr val="000000"/>
                   </a:solidFill>
@@ -3991,7 +3991,7 @@
             </a:ln>
             <a:extLst>
               <a:ext uri="{91240B29-F687-4f45-9708-019B960494DF}">
-                <a14:hiddenLine xmlns:a14="http://schemas.microsoft.com/office/drawing/2010/main" xmlns="" w="9525">
+                <a14:hiddenLine xmlns="" xmlns:a14="http://schemas.microsoft.com/office/drawing/2010/main" w="9525">
                   <a:solidFill>
                     <a:srgbClr val="000000"/>
                   </a:solidFill>
@@ -4081,7 +4081,7 @@
             </a:ln>
             <a:extLst>
               <a:ext uri="{91240B29-F687-4f45-9708-019B960494DF}">
-                <a14:hiddenLine xmlns:a14="http://schemas.microsoft.com/office/drawing/2010/main" xmlns="" w="9525">
+                <a14:hiddenLine xmlns="" xmlns:a14="http://schemas.microsoft.com/office/drawing/2010/main" w="9525">
                   <a:solidFill>
                     <a:srgbClr val="000000"/>
                   </a:solidFill>
@@ -4143,7 +4143,7 @@
             </a:ln>
             <a:extLst>
               <a:ext uri="{91240B29-F687-4f45-9708-019B960494DF}">
-                <a14:hiddenLine xmlns:a14="http://schemas.microsoft.com/office/drawing/2010/main" xmlns="" w="9525">
+                <a14:hiddenLine xmlns="" xmlns:a14="http://schemas.microsoft.com/office/drawing/2010/main" w="9525">
                   <a:solidFill>
                     <a:srgbClr val="000000"/>
                   </a:solidFill>
@@ -4263,7 +4263,7 @@
             </a:ln>
             <a:extLst>
               <a:ext uri="{91240B29-F687-4f45-9708-019B960494DF}">
-                <a14:hiddenLine xmlns:a14="http://schemas.microsoft.com/office/drawing/2010/main" xmlns="" w="9525">
+                <a14:hiddenLine xmlns="" xmlns:a14="http://schemas.microsoft.com/office/drawing/2010/main" w="9525">
                   <a:solidFill>
                     <a:srgbClr val="000000"/>
                   </a:solidFill>
@@ -4331,7 +4331,7 @@
             </a:ln>
             <a:extLst>
               <a:ext uri="{91240B29-F687-4f45-9708-019B960494DF}">
-                <a14:hiddenLine xmlns:a14="http://schemas.microsoft.com/office/drawing/2010/main" xmlns="" w="9525">
+                <a14:hiddenLine xmlns="" xmlns:a14="http://schemas.microsoft.com/office/drawing/2010/main" w="9525">
                   <a:solidFill>
                     <a:srgbClr val="000000"/>
                   </a:solidFill>
@@ -4421,7 +4421,7 @@
             </a:ln>
             <a:extLst>
               <a:ext uri="{91240B29-F687-4f45-9708-019B960494DF}">
-                <a14:hiddenLine xmlns:a14="http://schemas.microsoft.com/office/drawing/2010/main" xmlns="" w="9525">
+                <a14:hiddenLine xmlns="" xmlns:a14="http://schemas.microsoft.com/office/drawing/2010/main" w="9525">
                   <a:solidFill>
                     <a:srgbClr val="000000"/>
                   </a:solidFill>
@@ -9484,7 +9484,7 @@
           <a:noFill/>
           <a:extLst>
             <a:ext uri="{909E8E84-426E-40dd-AFC4-6F175D3DCCD1}">
-              <a14:hiddenFill xmlns:a14="http://schemas.microsoft.com/office/drawing/2010/main" xmlns="">
+              <a14:hiddenFill xmlns="" xmlns:a14="http://schemas.microsoft.com/office/drawing/2010/main">
                 <a:solidFill>
                   <a:srgbClr val="FFFFFF"/>
                 </a:solidFill>
@@ -9558,7 +9558,7 @@
               </a:ln>
               <a:extLst>
                 <a:ext uri="{91240B29-F687-4f45-9708-019B960494DF}">
-                  <a14:hiddenLine xmlns:a14="http://schemas.microsoft.com/office/drawing/2010/main" xmlns="" w="9525">
+                  <a14:hiddenLine xmlns="" xmlns:a14="http://schemas.microsoft.com/office/drawing/2010/main" w="9525">
                     <a:solidFill>
                       <a:srgbClr val="000000"/>
                     </a:solidFill>
@@ -9648,7 +9648,7 @@
               </a:ln>
               <a:extLst>
                 <a:ext uri="{91240B29-F687-4f45-9708-019B960494DF}">
-                  <a14:hiddenLine xmlns:a14="http://schemas.microsoft.com/office/drawing/2010/main" xmlns="" w="9525">
+                  <a14:hiddenLine xmlns="" xmlns:a14="http://schemas.microsoft.com/office/drawing/2010/main" w="9525">
                     <a:solidFill>
                       <a:srgbClr val="000000"/>
                     </a:solidFill>
@@ -9738,7 +9738,7 @@
               </a:ln>
               <a:extLst>
                 <a:ext uri="{91240B29-F687-4f45-9708-019B960494DF}">
-                  <a14:hiddenLine xmlns:a14="http://schemas.microsoft.com/office/drawing/2010/main" xmlns="" w="9525">
+                  <a14:hiddenLine xmlns="" xmlns:a14="http://schemas.microsoft.com/office/drawing/2010/main" w="9525">
                     <a:solidFill>
                       <a:srgbClr val="000000"/>
                     </a:solidFill>
@@ -9800,7 +9800,7 @@
               </a:ln>
               <a:extLst>
                 <a:ext uri="{91240B29-F687-4f45-9708-019B960494DF}">
-                  <a14:hiddenLine xmlns:a14="http://schemas.microsoft.com/office/drawing/2010/main" xmlns="" w="9525">
+                  <a14:hiddenLine xmlns="" xmlns:a14="http://schemas.microsoft.com/office/drawing/2010/main" w="9525">
                     <a:solidFill>
                       <a:srgbClr val="000000"/>
                     </a:solidFill>
@@ -9890,7 +9890,7 @@
               </a:ln>
               <a:extLst>
                 <a:ext uri="{91240B29-F687-4f45-9708-019B960494DF}">
-                  <a14:hiddenLine xmlns:a14="http://schemas.microsoft.com/office/drawing/2010/main" xmlns="" w="9525">
+                  <a14:hiddenLine xmlns="" xmlns:a14="http://schemas.microsoft.com/office/drawing/2010/main" w="9525">
                     <a:solidFill>
                       <a:srgbClr val="000000"/>
                     </a:solidFill>
@@ -9952,7 +9952,7 @@
               </a:ln>
               <a:extLst>
                 <a:ext uri="{91240B29-F687-4f45-9708-019B960494DF}">
-                  <a14:hiddenLine xmlns:a14="http://schemas.microsoft.com/office/drawing/2010/main" xmlns="" w="9525">
+                  <a14:hiddenLine xmlns="" xmlns:a14="http://schemas.microsoft.com/office/drawing/2010/main" w="9525">
                     <a:solidFill>
                       <a:srgbClr val="000000"/>
                     </a:solidFill>
@@ -10014,7 +10014,7 @@
               </a:ln>
               <a:extLst>
                 <a:ext uri="{91240B29-F687-4f45-9708-019B960494DF}">
-                  <a14:hiddenLine xmlns:a14="http://schemas.microsoft.com/office/drawing/2010/main" xmlns="" w="9525">
+                  <a14:hiddenLine xmlns="" xmlns:a14="http://schemas.microsoft.com/office/drawing/2010/main" w="9525">
                     <a:solidFill>
                       <a:srgbClr val="000000"/>
                     </a:solidFill>
@@ -10104,7 +10104,7 @@
               </a:ln>
               <a:extLst>
                 <a:ext uri="{91240B29-F687-4f45-9708-019B960494DF}">
-                  <a14:hiddenLine xmlns:a14="http://schemas.microsoft.com/office/drawing/2010/main" xmlns="" w="9525">
+                  <a14:hiddenLine xmlns="" xmlns:a14="http://schemas.microsoft.com/office/drawing/2010/main" w="9525">
                     <a:solidFill>
                       <a:srgbClr val="000000"/>
                     </a:solidFill>
@@ -10194,7 +10194,7 @@
               </a:ln>
               <a:extLst>
                 <a:ext uri="{91240B29-F687-4f45-9708-019B960494DF}">
-                  <a14:hiddenLine xmlns:a14="http://schemas.microsoft.com/office/drawing/2010/main" xmlns="" w="9525">
+                  <a14:hiddenLine xmlns="" xmlns:a14="http://schemas.microsoft.com/office/drawing/2010/main" w="9525">
                     <a:solidFill>
                       <a:srgbClr val="000000"/>
                     </a:solidFill>
@@ -10256,7 +10256,7 @@
               </a:ln>
               <a:extLst>
                 <a:ext uri="{91240B29-F687-4f45-9708-019B960494DF}">
-                  <a14:hiddenLine xmlns:a14="http://schemas.microsoft.com/office/drawing/2010/main" xmlns="" w="9525">
+                  <a14:hiddenLine xmlns="" xmlns:a14="http://schemas.microsoft.com/office/drawing/2010/main" w="9525">
                     <a:solidFill>
                       <a:srgbClr val="000000"/>
                     </a:solidFill>
@@ -10366,7 +10366,7 @@
               </a:ln>
               <a:extLst>
                 <a:ext uri="{91240B29-F687-4f45-9708-019B960494DF}">
-                  <a14:hiddenLine xmlns:a14="http://schemas.microsoft.com/office/drawing/2010/main" xmlns="" w="9525">
+                  <a14:hiddenLine xmlns="" xmlns:a14="http://schemas.microsoft.com/office/drawing/2010/main" w="9525">
                     <a:solidFill>
                       <a:srgbClr val="000000"/>
                     </a:solidFill>
@@ -10450,7 +10450,7 @@
               </a:ln>
               <a:extLst>
                 <a:ext uri="{91240B29-F687-4f45-9708-019B960494DF}">
-                  <a14:hiddenLine xmlns:a14="http://schemas.microsoft.com/office/drawing/2010/main" xmlns="" w="9525">
+                  <a14:hiddenLine xmlns="" xmlns:a14="http://schemas.microsoft.com/office/drawing/2010/main" w="9525">
                     <a:solidFill>
                       <a:srgbClr val="000000"/>
                     </a:solidFill>
@@ -10512,7 +10512,7 @@
               </a:ln>
               <a:extLst>
                 <a:ext uri="{91240B29-F687-4f45-9708-019B960494DF}">
-                  <a14:hiddenLine xmlns:a14="http://schemas.microsoft.com/office/drawing/2010/main" xmlns="" w="9525">
+                  <a14:hiddenLine xmlns="" xmlns:a14="http://schemas.microsoft.com/office/drawing/2010/main" w="9525">
                     <a:solidFill>
                       <a:srgbClr val="000000"/>
                     </a:solidFill>
@@ -10574,7 +10574,7 @@
               </a:ln>
               <a:extLst>
                 <a:ext uri="{91240B29-F687-4f45-9708-019B960494DF}">
-                  <a14:hiddenLine xmlns:a14="http://schemas.microsoft.com/office/drawing/2010/main" xmlns="" w="9525">
+                  <a14:hiddenLine xmlns="" xmlns:a14="http://schemas.microsoft.com/office/drawing/2010/main" w="9525">
                     <a:solidFill>
                       <a:srgbClr val="000000"/>
                     </a:solidFill>
@@ -10664,7 +10664,7 @@
               </a:ln>
               <a:extLst>
                 <a:ext uri="{91240B29-F687-4f45-9708-019B960494DF}">
-                  <a14:hiddenLine xmlns:a14="http://schemas.microsoft.com/office/drawing/2010/main" xmlns="" w="9525">
+                  <a14:hiddenLine xmlns="" xmlns:a14="http://schemas.microsoft.com/office/drawing/2010/main" w="9525">
                     <a:solidFill>
                       <a:srgbClr val="000000"/>
                     </a:solidFill>
@@ -10698,7 +10698,7 @@
               </a:ln>
               <a:extLst>
                 <a:ext uri="{91240B29-F687-4f45-9708-019B960494DF}">
-                  <a14:hiddenLine xmlns:a14="http://schemas.microsoft.com/office/drawing/2010/main" xmlns="" w="9525">
+                  <a14:hiddenLine xmlns="" xmlns:a14="http://schemas.microsoft.com/office/drawing/2010/main" w="9525">
                     <a:solidFill>
                       <a:srgbClr val="000000"/>
                     </a:solidFill>
@@ -10763,7 +10763,7 @@
               </a:ln>
               <a:extLst>
                 <a:ext uri="{91240B29-F687-4f45-9708-019B960494DF}">
-                  <a14:hiddenLine xmlns:a14="http://schemas.microsoft.com/office/drawing/2010/main" xmlns="" w="9525">
+                  <a14:hiddenLine xmlns="" xmlns:a14="http://schemas.microsoft.com/office/drawing/2010/main" w="9525">
                     <a:solidFill>
                       <a:srgbClr val="000000"/>
                     </a:solidFill>
@@ -10853,7 +10853,7 @@
               </a:ln>
               <a:extLst>
                 <a:ext uri="{91240B29-F687-4f45-9708-019B960494DF}">
-                  <a14:hiddenLine xmlns:a14="http://schemas.microsoft.com/office/drawing/2010/main" xmlns="" w="9525">
+                  <a14:hiddenLine xmlns="" xmlns:a14="http://schemas.microsoft.com/office/drawing/2010/main" w="9525">
                     <a:solidFill>
                       <a:srgbClr val="000000"/>
                     </a:solidFill>
@@ -10915,7 +10915,7 @@
               </a:ln>
               <a:extLst>
                 <a:ext uri="{91240B29-F687-4f45-9708-019B960494DF}">
-                  <a14:hiddenLine xmlns:a14="http://schemas.microsoft.com/office/drawing/2010/main" xmlns="" w="9525">
+                  <a14:hiddenLine xmlns="" xmlns:a14="http://schemas.microsoft.com/office/drawing/2010/main" w="9525">
                     <a:solidFill>
                       <a:srgbClr val="000000"/>
                     </a:solidFill>
@@ -11005,7 +11005,7 @@
               </a:ln>
               <a:extLst>
                 <a:ext uri="{91240B29-F687-4f45-9708-019B960494DF}">
-                  <a14:hiddenLine xmlns:a14="http://schemas.microsoft.com/office/drawing/2010/main" xmlns="" w="9525">
+                  <a14:hiddenLine xmlns="" xmlns:a14="http://schemas.microsoft.com/office/drawing/2010/main" w="9525">
                     <a:solidFill>
                       <a:srgbClr val="000000"/>
                     </a:solidFill>
@@ -11070,7 +11070,7 @@
               </a:ln>
               <a:extLst>
                 <a:ext uri="{91240B29-F687-4f45-9708-019B960494DF}">
-                  <a14:hiddenLine xmlns:a14="http://schemas.microsoft.com/office/drawing/2010/main" xmlns="" w="9525">
+                  <a14:hiddenLine xmlns="" xmlns:a14="http://schemas.microsoft.com/office/drawing/2010/main" w="9525">
                     <a:solidFill>
                       <a:srgbClr val="000000"/>
                     </a:solidFill>
@@ -11132,7 +11132,7 @@
               </a:ln>
               <a:extLst>
                 <a:ext uri="{91240B29-F687-4f45-9708-019B960494DF}">
-                  <a14:hiddenLine xmlns:a14="http://schemas.microsoft.com/office/drawing/2010/main" xmlns="" w="9525">
+                  <a14:hiddenLine xmlns="" xmlns:a14="http://schemas.microsoft.com/office/drawing/2010/main" w="9525">
                     <a:solidFill>
                       <a:srgbClr val="000000"/>
                     </a:solidFill>
@@ -11222,7 +11222,7 @@
               </a:ln>
               <a:extLst>
                 <a:ext uri="{91240B29-F687-4f45-9708-019B960494DF}">
-                  <a14:hiddenLine xmlns:a14="http://schemas.microsoft.com/office/drawing/2010/main" xmlns="" w="9525">
+                  <a14:hiddenLine xmlns="" xmlns:a14="http://schemas.microsoft.com/office/drawing/2010/main" w="9525">
                     <a:solidFill>
                       <a:srgbClr val="000000"/>
                     </a:solidFill>
@@ -11312,7 +11312,7 @@
               </a:ln>
               <a:extLst>
                 <a:ext uri="{91240B29-F687-4f45-9708-019B960494DF}">
-                  <a14:hiddenLine xmlns:a14="http://schemas.microsoft.com/office/drawing/2010/main" xmlns="" w="9525">
+                  <a14:hiddenLine xmlns="" xmlns:a14="http://schemas.microsoft.com/office/drawing/2010/main" w="9525">
                     <a:solidFill>
                       <a:srgbClr val="000000"/>
                     </a:solidFill>
@@ -11377,7 +11377,7 @@
               </a:ln>
               <a:extLst>
                 <a:ext uri="{91240B29-F687-4f45-9708-019B960494DF}">
-                  <a14:hiddenLine xmlns:a14="http://schemas.microsoft.com/office/drawing/2010/main" xmlns="" w="9525">
+                  <a14:hiddenLine xmlns="" xmlns:a14="http://schemas.microsoft.com/office/drawing/2010/main" w="9525">
                     <a:solidFill>
                       <a:srgbClr val="000000"/>
                     </a:solidFill>
@@ -11497,7 +11497,7 @@
               </a:ln>
               <a:extLst>
                 <a:ext uri="{91240B29-F687-4f45-9708-019B960494DF}">
-                  <a14:hiddenLine xmlns:a14="http://schemas.microsoft.com/office/drawing/2010/main" xmlns="" w="9525">
+                  <a14:hiddenLine xmlns="" xmlns:a14="http://schemas.microsoft.com/office/drawing/2010/main" w="9525">
                     <a:solidFill>
                       <a:srgbClr val="000000"/>
                     </a:solidFill>
@@ -11595,7 +11595,7 @@
               </a:ln>
               <a:extLst>
                 <a:ext uri="{91240B29-F687-4f45-9708-019B960494DF}">
-                  <a14:hiddenLine xmlns:a14="http://schemas.microsoft.com/office/drawing/2010/main" xmlns="" w="9525">
+                  <a14:hiddenLine xmlns="" xmlns:a14="http://schemas.microsoft.com/office/drawing/2010/main" w="9525">
                     <a:solidFill>
                       <a:srgbClr val="000000"/>
                     </a:solidFill>
@@ -11710,7 +11710,7 @@
               </a:ln>
               <a:extLst>
                 <a:ext uri="{91240B29-F687-4f45-9708-019B960494DF}">
-                  <a14:hiddenLine xmlns:a14="http://schemas.microsoft.com/office/drawing/2010/main" xmlns="" w="9525">
+                  <a14:hiddenLine xmlns="" xmlns:a14="http://schemas.microsoft.com/office/drawing/2010/main" w="9525">
                     <a:solidFill>
                       <a:srgbClr val="000000"/>
                     </a:solidFill>
@@ -11800,7 +11800,7 @@
               </a:ln>
               <a:extLst>
                 <a:ext uri="{91240B29-F687-4f45-9708-019B960494DF}">
-                  <a14:hiddenLine xmlns:a14="http://schemas.microsoft.com/office/drawing/2010/main" xmlns="" w="9525">
+                  <a14:hiddenLine xmlns="" xmlns:a14="http://schemas.microsoft.com/office/drawing/2010/main" w="9525">
                     <a:solidFill>
                       <a:srgbClr val="000000"/>
                     </a:solidFill>
@@ -11865,7 +11865,7 @@
               </a:ln>
               <a:extLst>
                 <a:ext uri="{91240B29-F687-4f45-9708-019B960494DF}">
-                  <a14:hiddenLine xmlns:a14="http://schemas.microsoft.com/office/drawing/2010/main" xmlns="" w="9525">
+                  <a14:hiddenLine xmlns="" xmlns:a14="http://schemas.microsoft.com/office/drawing/2010/main" w="9525">
                     <a:solidFill>
                       <a:srgbClr val="000000"/>
                     </a:solidFill>
@@ -11955,7 +11955,7 @@
               </a:ln>
               <a:extLst>
                 <a:ext uri="{91240B29-F687-4f45-9708-019B960494DF}">
-                  <a14:hiddenLine xmlns:a14="http://schemas.microsoft.com/office/drawing/2010/main" xmlns="" w="9525">
+                  <a14:hiddenLine xmlns="" xmlns:a14="http://schemas.microsoft.com/office/drawing/2010/main" w="9525">
                     <a:solidFill>
                       <a:srgbClr val="000000"/>
                     </a:solidFill>
@@ -12023,7 +12023,7 @@
               </a:ln>
               <a:extLst>
                 <a:ext uri="{91240B29-F687-4f45-9708-019B960494DF}">
-                  <a14:hiddenLine xmlns:a14="http://schemas.microsoft.com/office/drawing/2010/main" xmlns="" w="9525">
+                  <a14:hiddenLine xmlns="" xmlns:a14="http://schemas.microsoft.com/office/drawing/2010/main" w="9525">
                     <a:solidFill>
                       <a:srgbClr val="000000"/>
                     </a:solidFill>
@@ -12113,7 +12113,7 @@
               </a:ln>
               <a:extLst>
                 <a:ext uri="{91240B29-F687-4f45-9708-019B960494DF}">
-                  <a14:hiddenLine xmlns:a14="http://schemas.microsoft.com/office/drawing/2010/main" xmlns="" w="9525">
+                  <a14:hiddenLine xmlns="" xmlns:a14="http://schemas.microsoft.com/office/drawing/2010/main" w="9525">
                     <a:solidFill>
                       <a:srgbClr val="000000"/>
                     </a:solidFill>
@@ -12181,7 +12181,7 @@
               </a:ln>
               <a:extLst>
                 <a:ext uri="{91240B29-F687-4f45-9708-019B960494DF}">
-                  <a14:hiddenLine xmlns:a14="http://schemas.microsoft.com/office/drawing/2010/main" xmlns="" w="9525">
+                  <a14:hiddenLine xmlns="" xmlns:a14="http://schemas.microsoft.com/office/drawing/2010/main" w="9525">
                     <a:solidFill>
                       <a:srgbClr val="000000"/>
                     </a:solidFill>
@@ -12271,7 +12271,7 @@
               </a:ln>
               <a:extLst>
                 <a:ext uri="{91240B29-F687-4f45-9708-019B960494DF}">
-                  <a14:hiddenLine xmlns:a14="http://schemas.microsoft.com/office/drawing/2010/main" xmlns="" w="9525">
+                  <a14:hiddenLine xmlns="" xmlns:a14="http://schemas.microsoft.com/office/drawing/2010/main" w="9525">
                     <a:solidFill>
                       <a:srgbClr val="000000"/>
                     </a:solidFill>
@@ -12305,7 +12305,7 @@
               </a:ln>
               <a:extLst>
                 <a:ext uri="{91240B29-F687-4f45-9708-019B960494DF}">
-                  <a14:hiddenLine xmlns:a14="http://schemas.microsoft.com/office/drawing/2010/main" xmlns="" w="9525">
+                  <a14:hiddenLine xmlns="" xmlns:a14="http://schemas.microsoft.com/office/drawing/2010/main" w="9525">
                     <a:solidFill>
                       <a:srgbClr val="000000"/>
                     </a:solidFill>
@@ -13472,7 +13472,7 @@
         </p:spPr>
         <p:txBody>
           <a:bodyPr>
-            <a:normAutofit fontScale="70000" lnSpcReduction="20000"/>
+            <a:normAutofit fontScale="62500" lnSpcReduction="20000"/>
           </a:bodyPr>
           <a:lstStyle/>
           <a:p>
@@ -13610,6 +13610,24 @@
             <a:r>
               <a:rPr lang="ja-JP" altLang="en-US" dirty="0"/>
               <a:t>日用品の減り具合を監視）</a:t>
+            </a:r>
+            <a:endParaRPr lang="en-US" altLang="ja-JP" dirty="0"/>
+          </a:p>
+          <a:p>
+            <a:pPr marL="0" indent="0">
+              <a:buNone/>
+            </a:pPr>
+            <a:r>
+              <a:rPr lang="ja-JP" altLang="en-US" dirty="0"/>
+              <a:t>　　　　 </a:t>
+            </a:r>
+            <a:r>
+              <a:rPr lang="en-US" altLang="ja-JP" dirty="0"/>
+              <a:t>※</a:t>
+            </a:r>
+            <a:r>
+              <a:rPr lang="ja-JP" altLang="en-US" dirty="0"/>
+              <a:t>日精サービスと連携して配達サービスを立ち上げることも視野に含める。</a:t>
             </a:r>
             <a:endParaRPr lang="en-US" altLang="ja-JP" dirty="0"/>
           </a:p>
